--- a/POWER POINT/PresentazionePowerPoint.pptx
+++ b/POWER POINT/PresentazionePowerPoint.pptx
@@ -5,10 +5,10 @@
     <p:sldMasterId id="2147483648" r:id="rId1"/>
   </p:sldMasterIdLst>
   <p:notesMasterIdLst>
-    <p:notesMasterId r:id="rId11"/>
+    <p:notesMasterId r:id="rId15"/>
   </p:notesMasterIdLst>
   <p:handoutMasterIdLst>
-    <p:handoutMasterId r:id="rId12"/>
+    <p:handoutMasterId r:id="rId16"/>
   </p:handoutMasterIdLst>
   <p:sldIdLst>
     <p:sldId id="256" r:id="rId2"/>
@@ -18,8 +18,12 @@
     <p:sldId id="267" r:id="rId6"/>
     <p:sldId id="265" r:id="rId7"/>
     <p:sldId id="266" r:id="rId8"/>
-    <p:sldId id="269" r:id="rId9"/>
-    <p:sldId id="270" r:id="rId10"/>
+    <p:sldId id="270" r:id="rId9"/>
+    <p:sldId id="269" r:id="rId10"/>
+    <p:sldId id="271" r:id="rId11"/>
+    <p:sldId id="274" r:id="rId12"/>
+    <p:sldId id="273" r:id="rId13"/>
+    <p:sldId id="272" r:id="rId14"/>
   </p:sldIdLst>
   <p:sldSz cx="12192000" cy="6858000"/>
   <p:notesSz cx="6858000" cy="9144000"/>
@@ -8830,10 +8834,24 @@
     <dgm:pt modelId="{271A5FA4-F7C5-4A91-99C5-B6085E7F2492}" type="pres">
       <dgm:prSet presAssocID="{D49F28D9-0EB2-4291-A5D9-3F4DE6955C62}" presName="sibTrans" presStyleLbl="sibTrans2D1" presStyleIdx="0" presStyleCnt="2" custScaleX="56902" custScaleY="41081"/>
       <dgm:spPr/>
+      <dgm:t>
+        <a:bodyPr/>
+        <a:lstStyle/>
+        <a:p>
+          <a:endParaRPr lang="it-IT"/>
+        </a:p>
+      </dgm:t>
     </dgm:pt>
     <dgm:pt modelId="{DAD2FF1A-7904-4179-BD17-5627738421E9}" type="pres">
       <dgm:prSet presAssocID="{D49F28D9-0EB2-4291-A5D9-3F4DE6955C62}" presName="connectorText" presStyleLbl="sibTrans2D1" presStyleIdx="0" presStyleCnt="2"/>
       <dgm:spPr/>
+      <dgm:t>
+        <a:bodyPr/>
+        <a:lstStyle/>
+        <a:p>
+          <a:endParaRPr lang="it-IT"/>
+        </a:p>
+      </dgm:t>
     </dgm:pt>
     <dgm:pt modelId="{1179C03B-574C-4AC1-BC54-69630429CE21}" type="pres">
       <dgm:prSet presAssocID="{3D821DC1-79D8-4A26-9615-05C478882156}" presName="node" presStyleLbl="node1" presStyleIdx="1" presStyleCnt="3" custScaleX="33193" custScaleY="28910">
@@ -8853,10 +8871,24 @@
     <dgm:pt modelId="{8F84C7AE-74D3-489A-A0EF-20E6890CAEF4}" type="pres">
       <dgm:prSet presAssocID="{D9970412-1BDA-411A-81F0-FBFECDA5968F}" presName="sibTrans" presStyleLbl="sibTrans2D1" presStyleIdx="1" presStyleCnt="2" custScaleX="56902" custScaleY="41081"/>
       <dgm:spPr/>
+      <dgm:t>
+        <a:bodyPr/>
+        <a:lstStyle/>
+        <a:p>
+          <a:endParaRPr lang="it-IT"/>
+        </a:p>
+      </dgm:t>
     </dgm:pt>
     <dgm:pt modelId="{CB1B9534-1482-457E-93FF-1309D71EB416}" type="pres">
       <dgm:prSet presAssocID="{D9970412-1BDA-411A-81F0-FBFECDA5968F}" presName="connectorText" presStyleLbl="sibTrans2D1" presStyleIdx="1" presStyleCnt="2"/>
       <dgm:spPr/>
+      <dgm:t>
+        <a:bodyPr/>
+        <a:lstStyle/>
+        <a:p>
+          <a:endParaRPr lang="it-IT"/>
+        </a:p>
+      </dgm:t>
     </dgm:pt>
     <dgm:pt modelId="{33E89268-0449-408C-BB3B-F05E7A15DF05}" type="pres">
       <dgm:prSet presAssocID="{09ABF75B-48BF-418F-AB89-0D8080D4E726}" presName="node" presStyleLbl="node1" presStyleIdx="2" presStyleCnt="3" custScaleX="33193" custScaleY="28910" custLinFactNeighborX="-6279">
@@ -8875,17 +8907,17 @@
     </dgm:pt>
   </dgm:ptLst>
   <dgm:cxnLst>
-    <dgm:cxn modelId="{419BAD42-760B-4FC9-9B5E-42AD8B7E34D8}" type="presOf" srcId="{D49F28D9-0EB2-4291-A5D9-3F4DE6955C62}" destId="{271A5FA4-F7C5-4A91-99C5-B6085E7F2492}" srcOrd="0" destOrd="0" presId="urn:microsoft.com/office/officeart/2005/8/layout/process1"/>
+    <dgm:cxn modelId="{1230B139-30E8-426D-9EA3-08D533C8735E}" type="presOf" srcId="{09ABF75B-48BF-418F-AB89-0D8080D4E726}" destId="{33E89268-0449-408C-BB3B-F05E7A15DF05}" srcOrd="0" destOrd="0" presId="urn:microsoft.com/office/officeart/2005/8/layout/process1"/>
+    <dgm:cxn modelId="{C9A1FAE4-C980-44FB-A907-C20879BF3848}" type="presOf" srcId="{D9970412-1BDA-411A-81F0-FBFECDA5968F}" destId="{8F84C7AE-74D3-489A-A0EF-20E6890CAEF4}" srcOrd="0" destOrd="0" presId="urn:microsoft.com/office/officeart/2005/8/layout/process1"/>
+    <dgm:cxn modelId="{A3C394BE-7CFB-4E53-80A3-9092EA2951E5}" type="presOf" srcId="{D9970412-1BDA-411A-81F0-FBFECDA5968F}" destId="{CB1B9534-1482-457E-93FF-1309D71EB416}" srcOrd="1" destOrd="0" presId="urn:microsoft.com/office/officeart/2005/8/layout/process1"/>
+    <dgm:cxn modelId="{B3AE2C9B-6E7A-4700-8F7B-F00581F3C467}" srcId="{2B9EB20D-7604-4652-8ED6-9CD334BC3CB4}" destId="{09ABF75B-48BF-418F-AB89-0D8080D4E726}" srcOrd="2" destOrd="0" parTransId="{D4834467-9FAD-43DE-AC69-DC1301B7A1E4}" sibTransId="{94970C88-4D5B-4E6D-8EF2-E872DECFF6D9}"/>
+    <dgm:cxn modelId="{9EDD2254-CB86-4130-B668-950954B12701}" type="presOf" srcId="{D49F28D9-0EB2-4291-A5D9-3F4DE6955C62}" destId="{DAD2FF1A-7904-4179-BD17-5627738421E9}" srcOrd="1" destOrd="0" presId="urn:microsoft.com/office/officeart/2005/8/layout/process1"/>
     <dgm:cxn modelId="{E3EC68C8-4027-48C2-BE08-B01C2514FF25}" type="presOf" srcId="{CED1F57D-018F-4B9D-994F-61E13E15363D}" destId="{C39C44DF-5AE8-45E2-8128-03E26C7C90AD}" srcOrd="0" destOrd="0" presId="urn:microsoft.com/office/officeart/2005/8/layout/process1"/>
-    <dgm:cxn modelId="{E9D253BE-5A5B-43A9-A9A1-F8FF077CDDF8}" type="presOf" srcId="{3D821DC1-79D8-4A26-9615-05C478882156}" destId="{1179C03B-574C-4AC1-BC54-69630429CE21}" srcOrd="0" destOrd="0" presId="urn:microsoft.com/office/officeart/2005/8/layout/process1"/>
-    <dgm:cxn modelId="{9EDD2254-CB86-4130-B668-950954B12701}" type="presOf" srcId="{D49F28D9-0EB2-4291-A5D9-3F4DE6955C62}" destId="{DAD2FF1A-7904-4179-BD17-5627738421E9}" srcOrd="1" destOrd="0" presId="urn:microsoft.com/office/officeart/2005/8/layout/process1"/>
     <dgm:cxn modelId="{AB1E36AF-FFB5-46BD-885F-970E8B3D0EEF}" type="presOf" srcId="{2B9EB20D-7604-4652-8ED6-9CD334BC3CB4}" destId="{D288F1FC-F92A-453B-BC17-F37338FB2BBF}" srcOrd="0" destOrd="0" presId="urn:microsoft.com/office/officeart/2005/8/layout/process1"/>
     <dgm:cxn modelId="{AFC08973-EB6D-4644-B06F-CF37FCF7D93D}" srcId="{2B9EB20D-7604-4652-8ED6-9CD334BC3CB4}" destId="{3D821DC1-79D8-4A26-9615-05C478882156}" srcOrd="1" destOrd="0" parTransId="{A4481409-4424-4DEA-9D34-FC346BE241F2}" sibTransId="{D9970412-1BDA-411A-81F0-FBFECDA5968F}"/>
-    <dgm:cxn modelId="{C9A1FAE4-C980-44FB-A907-C20879BF3848}" type="presOf" srcId="{D9970412-1BDA-411A-81F0-FBFECDA5968F}" destId="{8F84C7AE-74D3-489A-A0EF-20E6890CAEF4}" srcOrd="0" destOrd="0" presId="urn:microsoft.com/office/officeart/2005/8/layout/process1"/>
-    <dgm:cxn modelId="{B3AE2C9B-6E7A-4700-8F7B-F00581F3C467}" srcId="{2B9EB20D-7604-4652-8ED6-9CD334BC3CB4}" destId="{09ABF75B-48BF-418F-AB89-0D8080D4E726}" srcOrd="2" destOrd="0" parTransId="{D4834467-9FAD-43DE-AC69-DC1301B7A1E4}" sibTransId="{94970C88-4D5B-4E6D-8EF2-E872DECFF6D9}"/>
-    <dgm:cxn modelId="{1230B139-30E8-426D-9EA3-08D533C8735E}" type="presOf" srcId="{09ABF75B-48BF-418F-AB89-0D8080D4E726}" destId="{33E89268-0449-408C-BB3B-F05E7A15DF05}" srcOrd="0" destOrd="0" presId="urn:microsoft.com/office/officeart/2005/8/layout/process1"/>
+    <dgm:cxn modelId="{E9D253BE-5A5B-43A9-A9A1-F8FF077CDDF8}" type="presOf" srcId="{3D821DC1-79D8-4A26-9615-05C478882156}" destId="{1179C03B-574C-4AC1-BC54-69630429CE21}" srcOrd="0" destOrd="0" presId="urn:microsoft.com/office/officeart/2005/8/layout/process1"/>
     <dgm:cxn modelId="{B3EDFCF7-FEDA-47E8-A974-CF6CF6338982}" srcId="{2B9EB20D-7604-4652-8ED6-9CD334BC3CB4}" destId="{CED1F57D-018F-4B9D-994F-61E13E15363D}" srcOrd="0" destOrd="0" parTransId="{B999B5CB-271A-4D70-AC1D-2BE783F2A6E4}" sibTransId="{D49F28D9-0EB2-4291-A5D9-3F4DE6955C62}"/>
-    <dgm:cxn modelId="{A3C394BE-7CFB-4E53-80A3-9092EA2951E5}" type="presOf" srcId="{D9970412-1BDA-411A-81F0-FBFECDA5968F}" destId="{CB1B9534-1482-457E-93FF-1309D71EB416}" srcOrd="1" destOrd="0" presId="urn:microsoft.com/office/officeart/2005/8/layout/process1"/>
+    <dgm:cxn modelId="{419BAD42-760B-4FC9-9B5E-42AD8B7E34D8}" type="presOf" srcId="{D49F28D9-0EB2-4291-A5D9-3F4DE6955C62}" destId="{271A5FA4-F7C5-4A91-99C5-B6085E7F2492}" srcOrd="0" destOrd="0" presId="urn:microsoft.com/office/officeart/2005/8/layout/process1"/>
     <dgm:cxn modelId="{B11C6338-5562-4AD4-AE42-A11689A44A40}" type="presParOf" srcId="{D288F1FC-F92A-453B-BC17-F37338FB2BBF}" destId="{C39C44DF-5AE8-45E2-8128-03E26C7C90AD}" srcOrd="0" destOrd="0" presId="urn:microsoft.com/office/officeart/2005/8/layout/process1"/>
     <dgm:cxn modelId="{01544967-810F-440D-B560-A70E4A1AA843}" type="presParOf" srcId="{D288F1FC-F92A-453B-BC17-F37338FB2BBF}" destId="{271A5FA4-F7C5-4A91-99C5-B6085E7F2492}" srcOrd="1" destOrd="0" presId="urn:microsoft.com/office/officeart/2005/8/layout/process1"/>
     <dgm:cxn modelId="{33A6474B-AEC1-4546-9266-DBD373407799}" type="presParOf" srcId="{271A5FA4-F7C5-4A91-99C5-B6085E7F2492}" destId="{DAD2FF1A-7904-4179-BD17-5627738421E9}" srcOrd="0" destOrd="0" presId="urn:microsoft.com/office/officeart/2005/8/layout/process1"/>
@@ -9116,6 +9148,13 @@
         </dgm:presLayoutVars>
       </dgm:prSet>
       <dgm:spPr/>
+      <dgm:t>
+        <a:bodyPr/>
+        <a:lstStyle/>
+        <a:p>
+          <a:endParaRPr lang="it-IT"/>
+        </a:p>
+      </dgm:t>
     </dgm:pt>
     <dgm:pt modelId="{A43A9E6E-2B34-43F4-A92A-10C0ECA0A90C}" type="pres">
       <dgm:prSet presAssocID="{6663C057-9887-4477-8F7E-0143319537DC}" presName="linNode" presStyleCnt="0"/>
@@ -9132,6 +9171,13 @@
           <a:avLst/>
         </a:prstGeom>
       </dgm:spPr>
+      <dgm:t>
+        <a:bodyPr/>
+        <a:lstStyle/>
+        <a:p>
+          <a:endParaRPr lang="it-IT"/>
+        </a:p>
+      </dgm:t>
     </dgm:pt>
     <dgm:pt modelId="{A4614FE6-B578-48FF-AC52-A1AA6E662504}" type="pres">
       <dgm:prSet presAssocID="{6663C057-9887-4477-8F7E-0143319537DC}" presName="childShp" presStyleLbl="bgAccFollowNode1" presStyleIdx="0" presStyleCnt="1" custLinFactNeighborX="-28402">
@@ -9154,13 +9200,13 @@
     </dgm:pt>
   </dgm:ptLst>
   <dgm:cxnLst>
+    <dgm:cxn modelId="{B9A5B2E6-1541-44FE-8C2B-DC295E899B22}" srcId="{271A1DAC-81AD-49E1-B131-850947B70A7B}" destId="{2C0814C8-CB1A-458F-BB33-E87F0C748DEA}" srcOrd="0" destOrd="0" parTransId="{987F0564-B45F-4E91-AD13-017D466F5D7B}" sibTransId="{B638D236-169A-4F71-B574-ADB3233C0133}"/>
+    <dgm:cxn modelId="{4D210F08-0FEB-442B-A047-1CE6DC8616CC}" type="presOf" srcId="{2C0814C8-CB1A-458F-BB33-E87F0C748DEA}" destId="{A4614FE6-B578-48FF-AC52-A1AA6E662504}" srcOrd="0" destOrd="1" presId="urn:microsoft.com/office/officeart/2005/8/layout/vList6"/>
     <dgm:cxn modelId="{16DCD869-8F2E-47D2-AFB4-B3D857E2B458}" srcId="{E2B07097-DBFD-46E3-9D73-DC6DEBDBAAD4}" destId="{6663C057-9887-4477-8F7E-0143319537DC}" srcOrd="0" destOrd="0" parTransId="{8C4C4E05-6FB8-4E98-A42A-EED94E586464}" sibTransId="{3FFBD839-54DB-4F0C-A07A-99056EEAAB4F}"/>
+    <dgm:cxn modelId="{CD9154D7-BF9E-4A09-B18D-17D1EBAFA82C}" type="presOf" srcId="{E2B07097-DBFD-46E3-9D73-DC6DEBDBAAD4}" destId="{2ECB847C-E0AB-42CE-BDD1-FE1170F475C8}" srcOrd="0" destOrd="0" presId="urn:microsoft.com/office/officeart/2005/8/layout/vList6"/>
+    <dgm:cxn modelId="{2B88724F-4F95-4E86-AB37-C03C05E75454}" type="presOf" srcId="{6663C057-9887-4477-8F7E-0143319537DC}" destId="{128F1594-B670-4887-BF7A-595803BBBE8A}" srcOrd="0" destOrd="0" presId="urn:microsoft.com/office/officeart/2005/8/layout/vList6"/>
     <dgm:cxn modelId="{1703ADC1-2E86-44DB-B5A3-EE1AE0863B3A}" type="presOf" srcId="{271A1DAC-81AD-49E1-B131-850947B70A7B}" destId="{A4614FE6-B578-48FF-AC52-A1AA6E662504}" srcOrd="0" destOrd="0" presId="urn:microsoft.com/office/officeart/2005/8/layout/vList6"/>
-    <dgm:cxn modelId="{B9A5B2E6-1541-44FE-8C2B-DC295E899B22}" srcId="{271A1DAC-81AD-49E1-B131-850947B70A7B}" destId="{2C0814C8-CB1A-458F-BB33-E87F0C748DEA}" srcOrd="0" destOrd="0" parTransId="{987F0564-B45F-4E91-AD13-017D466F5D7B}" sibTransId="{B638D236-169A-4F71-B574-ADB3233C0133}"/>
     <dgm:cxn modelId="{047B99A4-C9F8-4AF4-8715-E04A6717DAAF}" srcId="{6663C057-9887-4477-8F7E-0143319537DC}" destId="{271A1DAC-81AD-49E1-B131-850947B70A7B}" srcOrd="0" destOrd="0" parTransId="{F0AF2FE2-ABE8-4C04-BB06-B8B0675198B7}" sibTransId="{FC05E713-2419-43C3-B6CE-FDFFEC7A0848}"/>
-    <dgm:cxn modelId="{4D210F08-0FEB-442B-A047-1CE6DC8616CC}" type="presOf" srcId="{2C0814C8-CB1A-458F-BB33-E87F0C748DEA}" destId="{A4614FE6-B578-48FF-AC52-A1AA6E662504}" srcOrd="0" destOrd="1" presId="urn:microsoft.com/office/officeart/2005/8/layout/vList6"/>
-    <dgm:cxn modelId="{2B88724F-4F95-4E86-AB37-C03C05E75454}" type="presOf" srcId="{6663C057-9887-4477-8F7E-0143319537DC}" destId="{128F1594-B670-4887-BF7A-595803BBBE8A}" srcOrd="0" destOrd="0" presId="urn:microsoft.com/office/officeart/2005/8/layout/vList6"/>
-    <dgm:cxn modelId="{CD9154D7-BF9E-4A09-B18D-17D1EBAFA82C}" type="presOf" srcId="{E2B07097-DBFD-46E3-9D73-DC6DEBDBAAD4}" destId="{2ECB847C-E0AB-42CE-BDD1-FE1170F475C8}" srcOrd="0" destOrd="0" presId="urn:microsoft.com/office/officeart/2005/8/layout/vList6"/>
     <dgm:cxn modelId="{96DAC21E-4E4D-4BF5-B2D8-1A2FD294A6DF}" type="presParOf" srcId="{2ECB847C-E0AB-42CE-BDD1-FE1170F475C8}" destId="{A43A9E6E-2B34-43F4-A92A-10C0ECA0A90C}" srcOrd="0" destOrd="0" presId="urn:microsoft.com/office/officeart/2005/8/layout/vList6"/>
     <dgm:cxn modelId="{6E17474A-98A1-4EAF-9C8F-747C133AB37E}" type="presParOf" srcId="{A43A9E6E-2B34-43F4-A92A-10C0ECA0A90C}" destId="{128F1594-B670-4887-BF7A-595803BBBE8A}" srcOrd="0" destOrd="0" presId="urn:microsoft.com/office/officeart/2005/8/layout/vList6"/>
     <dgm:cxn modelId="{D0CE7D3F-513C-4D48-B5B5-50F2A8621FF5}" type="presParOf" srcId="{A43A9E6E-2B34-43F4-A92A-10C0ECA0A90C}" destId="{A4614FE6-B578-48FF-AC52-A1AA6E662504}" srcOrd="1" destOrd="0" presId="urn:microsoft.com/office/officeart/2005/8/layout/vList6"/>
@@ -9417,6 +9463,13 @@
         </dgm:presLayoutVars>
       </dgm:prSet>
       <dgm:spPr/>
+      <dgm:t>
+        <a:bodyPr/>
+        <a:lstStyle/>
+        <a:p>
+          <a:endParaRPr lang="it-IT"/>
+        </a:p>
+      </dgm:t>
     </dgm:pt>
     <dgm:pt modelId="{09E729A4-9804-4493-840A-8594935123D5}" type="pres">
       <dgm:prSet presAssocID="{CB539AE0-F285-49A6-B5D4-13072BFF9986}" presName="hierRoot1" presStyleCnt="0">
@@ -9438,6 +9491,13 @@
         </dgm:presLayoutVars>
       </dgm:prSet>
       <dgm:spPr/>
+      <dgm:t>
+        <a:bodyPr/>
+        <a:lstStyle/>
+        <a:p>
+          <a:endParaRPr lang="it-IT"/>
+        </a:p>
+      </dgm:t>
     </dgm:pt>
     <dgm:pt modelId="{7FBDE109-EBBB-49F9-8120-A790AEB77B54}" type="pres">
       <dgm:prSet presAssocID="{CB539AE0-F285-49A6-B5D4-13072BFF9986}" presName="titleText1" presStyleLbl="fgAcc0" presStyleIdx="0" presStyleCnt="1" custLinFactNeighborX="-15271" custLinFactNeighborY="-4398">
@@ -9447,10 +9507,24 @@
         </dgm:presLayoutVars>
       </dgm:prSet>
       <dgm:spPr/>
+      <dgm:t>
+        <a:bodyPr/>
+        <a:lstStyle/>
+        <a:p>
+          <a:endParaRPr lang="it-IT"/>
+        </a:p>
+      </dgm:t>
     </dgm:pt>
     <dgm:pt modelId="{E7B51478-391F-411C-B758-6A6CC0219D5A}" type="pres">
       <dgm:prSet presAssocID="{CB539AE0-F285-49A6-B5D4-13072BFF9986}" presName="rootConnector1" presStyleLbl="node1" presStyleIdx="0" presStyleCnt="2"/>
       <dgm:spPr/>
+      <dgm:t>
+        <a:bodyPr/>
+        <a:lstStyle/>
+        <a:p>
+          <a:endParaRPr lang="it-IT"/>
+        </a:p>
+      </dgm:t>
     </dgm:pt>
     <dgm:pt modelId="{122CA78F-64AA-4869-9459-174FBC31D811}" type="pres">
       <dgm:prSet presAssocID="{CB539AE0-F285-49A6-B5D4-13072BFF9986}" presName="hierChild2" presStyleCnt="0"/>
@@ -9459,6 +9533,13 @@
     <dgm:pt modelId="{064DDA1E-8CAA-40AA-8343-B7B7A1234BBE}" type="pres">
       <dgm:prSet presAssocID="{CB22EE71-F6F1-4BBA-BB77-C4A1E4063242}" presName="Name37" presStyleLbl="parChTrans1D2" presStyleIdx="0" presStyleCnt="2"/>
       <dgm:spPr/>
+      <dgm:t>
+        <a:bodyPr/>
+        <a:lstStyle/>
+        <a:p>
+          <a:endParaRPr lang="it-IT"/>
+        </a:p>
+      </dgm:t>
     </dgm:pt>
     <dgm:pt modelId="{E4CCEC1B-2DEA-4FE6-843A-095D066E3E8B}" type="pres">
       <dgm:prSet presAssocID="{AA951968-FACF-46F5-93A3-292F26EE18E4}" presName="hierRoot2" presStyleCnt="0">
@@ -9511,6 +9592,13 @@
     <dgm:pt modelId="{082ED0B6-0F8C-47BF-8C3E-35E5C611B1AC}" type="pres">
       <dgm:prSet presAssocID="{AA951968-FACF-46F5-93A3-292F26EE18E4}" presName="rootConnector" presStyleLbl="node2" presStyleIdx="0" presStyleCnt="0"/>
       <dgm:spPr/>
+      <dgm:t>
+        <a:bodyPr/>
+        <a:lstStyle/>
+        <a:p>
+          <a:endParaRPr lang="it-IT"/>
+        </a:p>
+      </dgm:t>
     </dgm:pt>
     <dgm:pt modelId="{B30E6AA7-F3C4-4933-9CFF-669D24EC57BF}" type="pres">
       <dgm:prSet presAssocID="{AA951968-FACF-46F5-93A3-292F26EE18E4}" presName="hierChild4" presStyleCnt="0"/>
@@ -9523,6 +9611,13 @@
     <dgm:pt modelId="{D078A538-97E1-4935-BBF1-31FE22F6AE4A}" type="pres">
       <dgm:prSet presAssocID="{D9E642B7-266F-4AD6-A5D3-C8AF66377A1D}" presName="Name37" presStyleLbl="parChTrans1D2" presStyleIdx="1" presStyleCnt="2"/>
       <dgm:spPr/>
+      <dgm:t>
+        <a:bodyPr/>
+        <a:lstStyle/>
+        <a:p>
+          <a:endParaRPr lang="it-IT"/>
+        </a:p>
+      </dgm:t>
     </dgm:pt>
     <dgm:pt modelId="{DDBFBB55-AFD6-497F-8C8A-23FE042451B3}" type="pres">
       <dgm:prSet presAssocID="{0CD938EA-9559-4579-9846-F57F0D36C728}" presName="hierRoot2" presStyleCnt="0">
@@ -9564,10 +9659,24 @@
         </dgm:presLayoutVars>
       </dgm:prSet>
       <dgm:spPr/>
+      <dgm:t>
+        <a:bodyPr/>
+        <a:lstStyle/>
+        <a:p>
+          <a:endParaRPr lang="it-IT"/>
+        </a:p>
+      </dgm:t>
     </dgm:pt>
     <dgm:pt modelId="{2CA012B4-D64E-4F97-8C3D-75B3C65B6565}" type="pres">
       <dgm:prSet presAssocID="{0CD938EA-9559-4579-9846-F57F0D36C728}" presName="rootConnector" presStyleLbl="node2" presStyleIdx="0" presStyleCnt="0"/>
       <dgm:spPr/>
+      <dgm:t>
+        <a:bodyPr/>
+        <a:lstStyle/>
+        <a:p>
+          <a:endParaRPr lang="it-IT"/>
+        </a:p>
+      </dgm:t>
     </dgm:pt>
     <dgm:pt modelId="{E7F1C680-47DF-4106-98E5-D9433B16263C}" type="pres">
       <dgm:prSet presAssocID="{0CD938EA-9559-4579-9846-F57F0D36C728}" presName="hierChild4" presStyleCnt="0"/>
@@ -9584,20 +9693,20 @@
   </dgm:ptLst>
   <dgm:cxnLst>
     <dgm:cxn modelId="{B3BE994E-38FF-4721-A759-A01BA3FC746B}" type="presOf" srcId="{F6FB81ED-F3A3-4935-A175-2E38918BE0A9}" destId="{E0BC92C8-3A47-40F6-89DD-04E704C8364B}" srcOrd="0" destOrd="0" presId="urn:microsoft.com/office/officeart/2008/layout/NameandTitleOrganizationalChart"/>
-    <dgm:cxn modelId="{277B18B4-53EC-41EB-8274-F102A4A7652F}" type="presOf" srcId="{0CD938EA-9559-4579-9846-F57F0D36C728}" destId="{2CA012B4-D64E-4F97-8C3D-75B3C65B6565}" srcOrd="1" destOrd="0" presId="urn:microsoft.com/office/officeart/2008/layout/NameandTitleOrganizationalChart"/>
-    <dgm:cxn modelId="{5DB40AB3-4227-4947-A4B0-30B726FD1CFC}" srcId="{CB539AE0-F285-49A6-B5D4-13072BFF9986}" destId="{0CD938EA-9559-4579-9846-F57F0D36C728}" srcOrd="1" destOrd="0" parTransId="{D9E642B7-266F-4AD6-A5D3-C8AF66377A1D}" sibTransId="{7A8FCF3E-2E0F-489B-B5B2-57E8A87847A5}"/>
     <dgm:cxn modelId="{77F3742C-860B-43C9-A7D9-9B9B20AD1EA2}" type="presOf" srcId="{F17BA5D4-43CF-4DC7-BEA2-29D479EBDDDE}" destId="{F48042E7-5368-4365-BC30-5B6EFF393EF7}" srcOrd="0" destOrd="0" presId="urn:microsoft.com/office/officeart/2008/layout/NameandTitleOrganizationalChart"/>
-    <dgm:cxn modelId="{F44B71B2-A994-4A67-868A-88B6ED5200AB}" type="presOf" srcId="{CB539AE0-F285-49A6-B5D4-13072BFF9986}" destId="{D4574BCE-8944-4C8A-BBFF-84BA5ADE5173}" srcOrd="0" destOrd="0" presId="urn:microsoft.com/office/officeart/2008/layout/NameandTitleOrganizationalChart"/>
-    <dgm:cxn modelId="{2C0F303F-E0DB-4EB0-9648-3BD911CD17C2}" srcId="{CB539AE0-F285-49A6-B5D4-13072BFF9986}" destId="{AA951968-FACF-46F5-93A3-292F26EE18E4}" srcOrd="0" destOrd="0" parTransId="{CB22EE71-F6F1-4BBA-BB77-C4A1E4063242}" sibTransId="{F17BA5D4-43CF-4DC7-BEA2-29D479EBDDDE}"/>
-    <dgm:cxn modelId="{AFC00404-4D3B-4CFE-BFD6-02D8404589D2}" type="presOf" srcId="{12297C2A-4FA0-46D0-9032-0288CE6589C2}" destId="{7FBDE109-EBBB-49F9-8120-A790AEB77B54}" srcOrd="0" destOrd="0" presId="urn:microsoft.com/office/officeart/2008/layout/NameandTitleOrganizationalChart"/>
     <dgm:cxn modelId="{B116D930-2592-498C-82EC-AAC33602912C}" type="presOf" srcId="{D9E642B7-266F-4AD6-A5D3-C8AF66377A1D}" destId="{D078A538-97E1-4935-BBF1-31FE22F6AE4A}" srcOrd="0" destOrd="0" presId="urn:microsoft.com/office/officeart/2008/layout/NameandTitleOrganizationalChart"/>
     <dgm:cxn modelId="{83B79B49-F186-405D-9024-A30A4BD053A7}" type="presOf" srcId="{CB539AE0-F285-49A6-B5D4-13072BFF9986}" destId="{E7B51478-391F-411C-B758-6A6CC0219D5A}" srcOrd="1" destOrd="0" presId="urn:microsoft.com/office/officeart/2008/layout/NameandTitleOrganizationalChart"/>
+    <dgm:cxn modelId="{5DB40AB3-4227-4947-A4B0-30B726FD1CFC}" srcId="{CB539AE0-F285-49A6-B5D4-13072BFF9986}" destId="{0CD938EA-9559-4579-9846-F57F0D36C728}" srcOrd="1" destOrd="0" parTransId="{D9E642B7-266F-4AD6-A5D3-C8AF66377A1D}" sibTransId="{7A8FCF3E-2E0F-489B-B5B2-57E8A87847A5}"/>
+    <dgm:cxn modelId="{AFC00404-4D3B-4CFE-BFD6-02D8404589D2}" type="presOf" srcId="{12297C2A-4FA0-46D0-9032-0288CE6589C2}" destId="{7FBDE109-EBBB-49F9-8120-A790AEB77B54}" srcOrd="0" destOrd="0" presId="urn:microsoft.com/office/officeart/2008/layout/NameandTitleOrganizationalChart"/>
+    <dgm:cxn modelId="{277B18B4-53EC-41EB-8274-F102A4A7652F}" type="presOf" srcId="{0CD938EA-9559-4579-9846-F57F0D36C728}" destId="{2CA012B4-D64E-4F97-8C3D-75B3C65B6565}" srcOrd="1" destOrd="0" presId="urn:microsoft.com/office/officeart/2008/layout/NameandTitleOrganizationalChart"/>
     <dgm:cxn modelId="{077C85E2-11CF-4C65-9091-4496F3DB129C}" type="presOf" srcId="{CB22EE71-F6F1-4BBA-BB77-C4A1E4063242}" destId="{064DDA1E-8CAA-40AA-8343-B7B7A1234BBE}" srcOrd="0" destOrd="0" presId="urn:microsoft.com/office/officeart/2008/layout/NameandTitleOrganizationalChart"/>
     <dgm:cxn modelId="{BFCA028B-403B-453E-ADF6-8B35589132E4}" type="presOf" srcId="{0CD938EA-9559-4579-9846-F57F0D36C728}" destId="{C595B9A9-611B-465C-BC36-0179D706DF70}" srcOrd="0" destOrd="0" presId="urn:microsoft.com/office/officeart/2008/layout/NameandTitleOrganizationalChart"/>
+    <dgm:cxn modelId="{2C0F303F-E0DB-4EB0-9648-3BD911CD17C2}" srcId="{CB539AE0-F285-49A6-B5D4-13072BFF9986}" destId="{AA951968-FACF-46F5-93A3-292F26EE18E4}" srcOrd="0" destOrd="0" parTransId="{CB22EE71-F6F1-4BBA-BB77-C4A1E4063242}" sibTransId="{F17BA5D4-43CF-4DC7-BEA2-29D479EBDDDE}"/>
+    <dgm:cxn modelId="{F44B71B2-A994-4A67-868A-88B6ED5200AB}" type="presOf" srcId="{CB539AE0-F285-49A6-B5D4-13072BFF9986}" destId="{D4574BCE-8944-4C8A-BBFF-84BA5ADE5173}" srcOrd="0" destOrd="0" presId="urn:microsoft.com/office/officeart/2008/layout/NameandTitleOrganizationalChart"/>
+    <dgm:cxn modelId="{57F60D73-26C6-4BD9-90FA-77D38DA59F4F}" type="presOf" srcId="{7A8FCF3E-2E0F-489B-B5B2-57E8A87847A5}" destId="{4365402E-CD75-4D52-87DE-E9346A5AFDAA}" srcOrd="0" destOrd="0" presId="urn:microsoft.com/office/officeart/2008/layout/NameandTitleOrganizationalChart"/>
     <dgm:cxn modelId="{44A289F7-51AD-41A7-ADA8-279153296CE2}" srcId="{F6FB81ED-F3A3-4935-A175-2E38918BE0A9}" destId="{CB539AE0-F285-49A6-B5D4-13072BFF9986}" srcOrd="0" destOrd="0" parTransId="{FB0A1539-EE82-4CAA-A6FB-585AC6FF5818}" sibTransId="{12297C2A-4FA0-46D0-9032-0288CE6589C2}"/>
+    <dgm:cxn modelId="{0B920B4D-66EB-492A-BB40-BC9F8AAF37C5}" type="presOf" srcId="{AA951968-FACF-46F5-93A3-292F26EE18E4}" destId="{5E8D8E12-409D-411E-A269-840B59E9FB5E}" srcOrd="0" destOrd="0" presId="urn:microsoft.com/office/officeart/2008/layout/NameandTitleOrganizationalChart"/>
     <dgm:cxn modelId="{17EE3161-FDCF-4EA2-A3C9-C72D86DA4CC1}" type="presOf" srcId="{AA951968-FACF-46F5-93A3-292F26EE18E4}" destId="{082ED0B6-0F8C-47BF-8C3E-35E5C611B1AC}" srcOrd="1" destOrd="0" presId="urn:microsoft.com/office/officeart/2008/layout/NameandTitleOrganizationalChart"/>
-    <dgm:cxn modelId="{0B920B4D-66EB-492A-BB40-BC9F8AAF37C5}" type="presOf" srcId="{AA951968-FACF-46F5-93A3-292F26EE18E4}" destId="{5E8D8E12-409D-411E-A269-840B59E9FB5E}" srcOrd="0" destOrd="0" presId="urn:microsoft.com/office/officeart/2008/layout/NameandTitleOrganizationalChart"/>
-    <dgm:cxn modelId="{57F60D73-26C6-4BD9-90FA-77D38DA59F4F}" type="presOf" srcId="{7A8FCF3E-2E0F-489B-B5B2-57E8A87847A5}" destId="{4365402E-CD75-4D52-87DE-E9346A5AFDAA}" srcOrd="0" destOrd="0" presId="urn:microsoft.com/office/officeart/2008/layout/NameandTitleOrganizationalChart"/>
     <dgm:cxn modelId="{8629609C-E608-4472-8C13-B51D226B6B0E}" type="presParOf" srcId="{E0BC92C8-3A47-40F6-89DD-04E704C8364B}" destId="{09E729A4-9804-4493-840A-8594935123D5}" srcOrd="0" destOrd="0" presId="urn:microsoft.com/office/officeart/2008/layout/NameandTitleOrganizationalChart"/>
     <dgm:cxn modelId="{EAA55D15-0771-4CD6-8245-C67769AE7DBE}" type="presParOf" srcId="{09E729A4-9804-4493-840A-8594935123D5}" destId="{59C28481-0060-486B-81A5-29D30D3C3E0A}" srcOrd="0" destOrd="0" presId="urn:microsoft.com/office/officeart/2008/layout/NameandTitleOrganizationalChart"/>
     <dgm:cxn modelId="{C352DF8C-EB1F-4471-9B10-74332313D286}" type="presParOf" srcId="{59C28481-0060-486B-81A5-29D30D3C3E0A}" destId="{D4574BCE-8944-4C8A-BBFF-84BA5ADE5173}" srcOrd="0" destOrd="0" presId="urn:microsoft.com/office/officeart/2008/layout/NameandTitleOrganizationalChart"/>
@@ -44711,6 +44820,646 @@
 </p:sld>
 </file>
 
+<file path=ppt/slides/slide10.xml><?xml version="1.0" encoding="utf-8"?>
+<p:sld xmlns:a="http://schemas.openxmlformats.org/drawingml/2006/main" xmlns:r="http://schemas.openxmlformats.org/officeDocument/2006/relationships" xmlns:p="http://schemas.openxmlformats.org/presentationml/2006/main">
+  <p:cSld>
+    <p:spTree>
+      <p:nvGrpSpPr>
+        <p:cNvPr id="1" name=""/>
+        <p:cNvGrpSpPr/>
+        <p:nvPr/>
+      </p:nvGrpSpPr>
+      <p:grpSpPr>
+        <a:xfrm>
+          <a:off x="0" y="0"/>
+          <a:ext cx="0" cy="0"/>
+          <a:chOff x="0" y="0"/>
+          <a:chExt cx="0" cy="0"/>
+        </a:xfrm>
+      </p:grpSpPr>
+      <p:sp>
+        <p:nvSpPr>
+          <p:cNvPr id="5" name="Segnaposto data 4"/>
+          <p:cNvSpPr>
+            <a:spLocks noGrp="1"/>
+          </p:cNvSpPr>
+          <p:nvPr>
+            <p:ph type="dt" sz="half" idx="10"/>
+          </p:nvPr>
+        </p:nvSpPr>
+        <p:spPr>
+          <a:xfrm>
+            <a:off x="0" y="6504403"/>
+            <a:ext cx="2743200" cy="365125"/>
+          </a:xfrm>
+        </p:spPr>
+        <p:txBody>
+          <a:bodyPr/>
+          <a:lstStyle/>
+          <a:p>
+            <a:r>
+              <a:rPr lang="it-IT" sz="1600" smtClean="0">
+                <a:solidFill>
+                  <a:schemeClr val="tx1"/>
+                </a:solidFill>
+                <a:latin typeface="Agency FB" panose="020B0503020202020204" pitchFamily="34" charset="0"/>
+              </a:rPr>
+              <a:t>Maria Luisa Feola A34000090 </a:t>
+            </a:r>
+            <a:endParaRPr lang="it-IT" sz="1600" dirty="0">
+              <a:solidFill>
+                <a:schemeClr val="tx1"/>
+              </a:solidFill>
+              <a:latin typeface="Agency FB" panose="020B0503020202020204" pitchFamily="34" charset="0"/>
+            </a:endParaRPr>
+          </a:p>
+        </p:txBody>
+      </p:sp>
+      <p:sp>
+        <p:nvSpPr>
+          <p:cNvPr id="2" name="Segnaposto numero diapositiva 1"/>
+          <p:cNvSpPr>
+            <a:spLocks noGrp="1"/>
+          </p:cNvSpPr>
+          <p:nvPr>
+            <p:ph type="sldNum" sz="quarter" idx="12"/>
+          </p:nvPr>
+        </p:nvSpPr>
+        <p:spPr>
+          <a:xfrm>
+            <a:off x="9448800" y="6504402"/>
+            <a:ext cx="2743200" cy="365125"/>
+          </a:xfrm>
+        </p:spPr>
+        <p:txBody>
+          <a:bodyPr/>
+          <a:lstStyle/>
+          <a:p>
+            <a:r>
+              <a:rPr lang="it-IT" sz="1800" dirty="0" smtClean="0">
+                <a:solidFill>
+                  <a:schemeClr val="tx1"/>
+                </a:solidFill>
+                <a:latin typeface="Agency FB" panose="020B0503020202020204" pitchFamily="34" charset="0"/>
+              </a:rPr>
+              <a:t>10</a:t>
+            </a:r>
+            <a:endParaRPr lang="it-IT" sz="1800" dirty="0">
+              <a:solidFill>
+                <a:schemeClr val="tx1"/>
+              </a:solidFill>
+              <a:latin typeface="Agency FB" panose="020B0503020202020204" pitchFamily="34" charset="0"/>
+            </a:endParaRPr>
+          </a:p>
+        </p:txBody>
+      </p:sp>
+      <p:sp>
+        <p:nvSpPr>
+          <p:cNvPr id="3" name="Segnaposto piè di pagina 2"/>
+          <p:cNvSpPr>
+            <a:spLocks noGrp="1"/>
+          </p:cNvSpPr>
+          <p:nvPr>
+            <p:ph type="ftr" sz="quarter" idx="11"/>
+          </p:nvPr>
+        </p:nvSpPr>
+        <p:spPr>
+          <a:xfrm>
+            <a:off x="4038600" y="6504402"/>
+            <a:ext cx="4114800" cy="365125"/>
+          </a:xfrm>
+        </p:spPr>
+        <p:txBody>
+          <a:bodyPr/>
+          <a:lstStyle/>
+          <a:p>
+            <a:r>
+              <a:rPr lang="it-IT" sz="1600" dirty="0" smtClean="0">
+                <a:solidFill>
+                  <a:schemeClr val="tx1"/>
+                </a:solidFill>
+                <a:latin typeface="Agency FB" panose="020B0503020202020204" pitchFamily="34" charset="0"/>
+              </a:rPr>
+              <a:t>Un'introduzione alle reti neurali e reti di </a:t>
+            </a:r>
+            <a:r>
+              <a:rPr lang="it-IT" sz="1600" dirty="0" err="1" smtClean="0">
+                <a:solidFill>
+                  <a:schemeClr val="tx1"/>
+                </a:solidFill>
+                <a:latin typeface="Agency FB" panose="020B0503020202020204" pitchFamily="34" charset="0"/>
+              </a:rPr>
+              <a:t>Hopfield</a:t>
+            </a:r>
+            <a:endParaRPr lang="it-IT" sz="1600" dirty="0">
+              <a:solidFill>
+                <a:schemeClr val="tx1"/>
+              </a:solidFill>
+              <a:latin typeface="Agency FB" panose="020B0503020202020204" pitchFamily="34" charset="0"/>
+            </a:endParaRPr>
+          </a:p>
+        </p:txBody>
+      </p:sp>
+    </p:spTree>
+    <p:extLst>
+      <p:ext uri="{BB962C8B-B14F-4D97-AF65-F5344CB8AC3E}">
+        <p14:creationId xmlns:p14="http://schemas.microsoft.com/office/powerpoint/2010/main" val="791163087"/>
+      </p:ext>
+    </p:extLst>
+  </p:cSld>
+  <p:clrMapOvr>
+    <a:masterClrMapping/>
+  </p:clrMapOvr>
+  <p:timing>
+    <p:tnLst>
+      <p:par>
+        <p:cTn id="1" dur="indefinite" restart="never" nodeType="tmRoot"/>
+      </p:par>
+    </p:tnLst>
+  </p:timing>
+</p:sld>
+</file>
+
+<file path=ppt/slides/slide11.xml><?xml version="1.0" encoding="utf-8"?>
+<p:sld xmlns:a="http://schemas.openxmlformats.org/drawingml/2006/main" xmlns:r="http://schemas.openxmlformats.org/officeDocument/2006/relationships" xmlns:p="http://schemas.openxmlformats.org/presentationml/2006/main">
+  <p:cSld>
+    <p:spTree>
+      <p:nvGrpSpPr>
+        <p:cNvPr id="1" name=""/>
+        <p:cNvGrpSpPr/>
+        <p:nvPr/>
+      </p:nvGrpSpPr>
+      <p:grpSpPr>
+        <a:xfrm>
+          <a:off x="0" y="0"/>
+          <a:ext cx="0" cy="0"/>
+          <a:chOff x="0" y="0"/>
+          <a:chExt cx="0" cy="0"/>
+        </a:xfrm>
+      </p:grpSpPr>
+      <p:sp>
+        <p:nvSpPr>
+          <p:cNvPr id="5" name="Segnaposto data 4"/>
+          <p:cNvSpPr>
+            <a:spLocks noGrp="1"/>
+          </p:cNvSpPr>
+          <p:nvPr>
+            <p:ph type="dt" sz="half" idx="10"/>
+          </p:nvPr>
+        </p:nvSpPr>
+        <p:spPr>
+          <a:xfrm>
+            <a:off x="0" y="6504403"/>
+            <a:ext cx="2743200" cy="365125"/>
+          </a:xfrm>
+        </p:spPr>
+        <p:txBody>
+          <a:bodyPr/>
+          <a:lstStyle/>
+          <a:p>
+            <a:r>
+              <a:rPr lang="it-IT" sz="1600" smtClean="0">
+                <a:solidFill>
+                  <a:schemeClr val="tx1"/>
+                </a:solidFill>
+                <a:latin typeface="Agency FB" panose="020B0503020202020204" pitchFamily="34" charset="0"/>
+              </a:rPr>
+              <a:t>Maria Luisa Feola A34000090 </a:t>
+            </a:r>
+            <a:endParaRPr lang="it-IT" sz="1600" dirty="0">
+              <a:solidFill>
+                <a:schemeClr val="tx1"/>
+              </a:solidFill>
+              <a:latin typeface="Agency FB" panose="020B0503020202020204" pitchFamily="34" charset="0"/>
+            </a:endParaRPr>
+          </a:p>
+        </p:txBody>
+      </p:sp>
+      <p:sp>
+        <p:nvSpPr>
+          <p:cNvPr id="2" name="Segnaposto numero diapositiva 1"/>
+          <p:cNvSpPr>
+            <a:spLocks noGrp="1"/>
+          </p:cNvSpPr>
+          <p:nvPr>
+            <p:ph type="sldNum" sz="quarter" idx="12"/>
+          </p:nvPr>
+        </p:nvSpPr>
+        <p:spPr>
+          <a:xfrm>
+            <a:off x="9448800" y="6504402"/>
+            <a:ext cx="2743200" cy="365125"/>
+          </a:xfrm>
+        </p:spPr>
+        <p:txBody>
+          <a:bodyPr/>
+          <a:lstStyle/>
+          <a:p>
+            <a:r>
+              <a:rPr lang="it-IT" sz="1800" dirty="0" smtClean="0">
+                <a:solidFill>
+                  <a:schemeClr val="tx1"/>
+                </a:solidFill>
+                <a:latin typeface="Agency FB" panose="020B0503020202020204" pitchFamily="34" charset="0"/>
+              </a:rPr>
+              <a:t>11</a:t>
+            </a:r>
+            <a:endParaRPr lang="it-IT" sz="1800" dirty="0">
+              <a:solidFill>
+                <a:schemeClr val="tx1"/>
+              </a:solidFill>
+              <a:latin typeface="Agency FB" panose="020B0503020202020204" pitchFamily="34" charset="0"/>
+            </a:endParaRPr>
+          </a:p>
+        </p:txBody>
+      </p:sp>
+      <p:sp>
+        <p:nvSpPr>
+          <p:cNvPr id="3" name="Segnaposto piè di pagina 2"/>
+          <p:cNvSpPr>
+            <a:spLocks noGrp="1"/>
+          </p:cNvSpPr>
+          <p:nvPr>
+            <p:ph type="ftr" sz="quarter" idx="11"/>
+          </p:nvPr>
+        </p:nvSpPr>
+        <p:spPr>
+          <a:xfrm>
+            <a:off x="4038600" y="6504402"/>
+            <a:ext cx="4114800" cy="365125"/>
+          </a:xfrm>
+        </p:spPr>
+        <p:txBody>
+          <a:bodyPr/>
+          <a:lstStyle/>
+          <a:p>
+            <a:r>
+              <a:rPr lang="it-IT" sz="1600" dirty="0" smtClean="0">
+                <a:solidFill>
+                  <a:schemeClr val="tx1"/>
+                </a:solidFill>
+                <a:latin typeface="Agency FB" panose="020B0503020202020204" pitchFamily="34" charset="0"/>
+              </a:rPr>
+              <a:t>Un'introduzione alle reti neurali e reti di </a:t>
+            </a:r>
+            <a:r>
+              <a:rPr lang="it-IT" sz="1600" dirty="0" err="1" smtClean="0">
+                <a:solidFill>
+                  <a:schemeClr val="tx1"/>
+                </a:solidFill>
+                <a:latin typeface="Agency FB" panose="020B0503020202020204" pitchFamily="34" charset="0"/>
+              </a:rPr>
+              <a:t>Hopfield</a:t>
+            </a:r>
+            <a:endParaRPr lang="it-IT" sz="1600" dirty="0">
+              <a:solidFill>
+                <a:schemeClr val="tx1"/>
+              </a:solidFill>
+              <a:latin typeface="Agency FB" panose="020B0503020202020204" pitchFamily="34" charset="0"/>
+            </a:endParaRPr>
+          </a:p>
+        </p:txBody>
+      </p:sp>
+    </p:spTree>
+    <p:extLst>
+      <p:ext uri="{BB962C8B-B14F-4D97-AF65-F5344CB8AC3E}">
+        <p14:creationId xmlns:p14="http://schemas.microsoft.com/office/powerpoint/2010/main" val="4166664974"/>
+      </p:ext>
+    </p:extLst>
+  </p:cSld>
+  <p:clrMapOvr>
+    <a:masterClrMapping/>
+  </p:clrMapOvr>
+  <p:timing>
+    <p:tnLst>
+      <p:par>
+        <p:cTn id="1" dur="indefinite" restart="never" nodeType="tmRoot"/>
+      </p:par>
+    </p:tnLst>
+  </p:timing>
+</p:sld>
+</file>
+
+<file path=ppt/slides/slide12.xml><?xml version="1.0" encoding="utf-8"?>
+<p:sld xmlns:a="http://schemas.openxmlformats.org/drawingml/2006/main" xmlns:r="http://schemas.openxmlformats.org/officeDocument/2006/relationships" xmlns:p="http://schemas.openxmlformats.org/presentationml/2006/main">
+  <p:cSld>
+    <p:spTree>
+      <p:nvGrpSpPr>
+        <p:cNvPr id="1" name=""/>
+        <p:cNvGrpSpPr/>
+        <p:nvPr/>
+      </p:nvGrpSpPr>
+      <p:grpSpPr>
+        <a:xfrm>
+          <a:off x="0" y="0"/>
+          <a:ext cx="0" cy="0"/>
+          <a:chOff x="0" y="0"/>
+          <a:chExt cx="0" cy="0"/>
+        </a:xfrm>
+      </p:grpSpPr>
+      <p:sp>
+        <p:nvSpPr>
+          <p:cNvPr id="5" name="Segnaposto data 4"/>
+          <p:cNvSpPr>
+            <a:spLocks noGrp="1"/>
+          </p:cNvSpPr>
+          <p:nvPr>
+            <p:ph type="dt" sz="half" idx="10"/>
+          </p:nvPr>
+        </p:nvSpPr>
+        <p:spPr>
+          <a:xfrm>
+            <a:off x="0" y="6504403"/>
+            <a:ext cx="2743200" cy="365125"/>
+          </a:xfrm>
+        </p:spPr>
+        <p:txBody>
+          <a:bodyPr/>
+          <a:lstStyle/>
+          <a:p>
+            <a:r>
+              <a:rPr lang="it-IT" sz="1600" smtClean="0">
+                <a:solidFill>
+                  <a:schemeClr val="tx1"/>
+                </a:solidFill>
+                <a:latin typeface="Agency FB" panose="020B0503020202020204" pitchFamily="34" charset="0"/>
+              </a:rPr>
+              <a:t>Maria Luisa Feola A34000090 </a:t>
+            </a:r>
+            <a:endParaRPr lang="it-IT" sz="1600" dirty="0">
+              <a:solidFill>
+                <a:schemeClr val="tx1"/>
+              </a:solidFill>
+              <a:latin typeface="Agency FB" panose="020B0503020202020204" pitchFamily="34" charset="0"/>
+            </a:endParaRPr>
+          </a:p>
+        </p:txBody>
+      </p:sp>
+      <p:sp>
+        <p:nvSpPr>
+          <p:cNvPr id="2" name="Segnaposto numero diapositiva 1"/>
+          <p:cNvSpPr>
+            <a:spLocks noGrp="1"/>
+          </p:cNvSpPr>
+          <p:nvPr>
+            <p:ph type="sldNum" sz="quarter" idx="12"/>
+          </p:nvPr>
+        </p:nvSpPr>
+        <p:spPr>
+          <a:xfrm>
+            <a:off x="9448800" y="6504402"/>
+            <a:ext cx="2743200" cy="365125"/>
+          </a:xfrm>
+        </p:spPr>
+        <p:txBody>
+          <a:bodyPr/>
+          <a:lstStyle/>
+          <a:p>
+            <a:r>
+              <a:rPr lang="it-IT" sz="1800" dirty="0" smtClean="0">
+                <a:solidFill>
+                  <a:schemeClr val="tx1"/>
+                </a:solidFill>
+                <a:latin typeface="Agency FB" panose="020B0503020202020204" pitchFamily="34" charset="0"/>
+              </a:rPr>
+              <a:t>12</a:t>
+            </a:r>
+            <a:endParaRPr lang="it-IT" sz="1800" dirty="0">
+              <a:solidFill>
+                <a:schemeClr val="tx1"/>
+              </a:solidFill>
+              <a:latin typeface="Agency FB" panose="020B0503020202020204" pitchFamily="34" charset="0"/>
+            </a:endParaRPr>
+          </a:p>
+        </p:txBody>
+      </p:sp>
+      <p:sp>
+        <p:nvSpPr>
+          <p:cNvPr id="3" name="Segnaposto piè di pagina 2"/>
+          <p:cNvSpPr>
+            <a:spLocks noGrp="1"/>
+          </p:cNvSpPr>
+          <p:nvPr>
+            <p:ph type="ftr" sz="quarter" idx="11"/>
+          </p:nvPr>
+        </p:nvSpPr>
+        <p:spPr>
+          <a:xfrm>
+            <a:off x="4038600" y="6504402"/>
+            <a:ext cx="4114800" cy="365125"/>
+          </a:xfrm>
+        </p:spPr>
+        <p:txBody>
+          <a:bodyPr/>
+          <a:lstStyle/>
+          <a:p>
+            <a:r>
+              <a:rPr lang="it-IT" sz="1600" dirty="0" smtClean="0">
+                <a:solidFill>
+                  <a:schemeClr val="tx1"/>
+                </a:solidFill>
+                <a:latin typeface="Agency FB" panose="020B0503020202020204" pitchFamily="34" charset="0"/>
+              </a:rPr>
+              <a:t>Un'introduzione alle reti neurali e reti di </a:t>
+            </a:r>
+            <a:r>
+              <a:rPr lang="it-IT" sz="1600" dirty="0" err="1" smtClean="0">
+                <a:solidFill>
+                  <a:schemeClr val="tx1"/>
+                </a:solidFill>
+                <a:latin typeface="Agency FB" panose="020B0503020202020204" pitchFamily="34" charset="0"/>
+              </a:rPr>
+              <a:t>Hopfield</a:t>
+            </a:r>
+            <a:endParaRPr lang="it-IT" sz="1600" dirty="0">
+              <a:solidFill>
+                <a:schemeClr val="tx1"/>
+              </a:solidFill>
+              <a:latin typeface="Agency FB" panose="020B0503020202020204" pitchFamily="34" charset="0"/>
+            </a:endParaRPr>
+          </a:p>
+        </p:txBody>
+      </p:sp>
+    </p:spTree>
+    <p:extLst>
+      <p:ext uri="{BB962C8B-B14F-4D97-AF65-F5344CB8AC3E}">
+        <p14:creationId xmlns:p14="http://schemas.microsoft.com/office/powerpoint/2010/main" val="2573517151"/>
+      </p:ext>
+    </p:extLst>
+  </p:cSld>
+  <p:clrMapOvr>
+    <a:masterClrMapping/>
+  </p:clrMapOvr>
+  <p:timing>
+    <p:tnLst>
+      <p:par>
+        <p:cTn id="1" dur="indefinite" restart="never" nodeType="tmRoot"/>
+      </p:par>
+    </p:tnLst>
+  </p:timing>
+</p:sld>
+</file>
+
+<file path=ppt/slides/slide13.xml><?xml version="1.0" encoding="utf-8"?>
+<p:sld xmlns:a="http://schemas.openxmlformats.org/drawingml/2006/main" xmlns:r="http://schemas.openxmlformats.org/officeDocument/2006/relationships" xmlns:p="http://schemas.openxmlformats.org/presentationml/2006/main">
+  <p:cSld>
+    <p:spTree>
+      <p:nvGrpSpPr>
+        <p:cNvPr id="1" name=""/>
+        <p:cNvGrpSpPr/>
+        <p:nvPr/>
+      </p:nvGrpSpPr>
+      <p:grpSpPr>
+        <a:xfrm>
+          <a:off x="0" y="0"/>
+          <a:ext cx="0" cy="0"/>
+          <a:chOff x="0" y="0"/>
+          <a:chExt cx="0" cy="0"/>
+        </a:xfrm>
+      </p:grpSpPr>
+      <p:sp>
+        <p:nvSpPr>
+          <p:cNvPr id="5" name="Segnaposto data 4"/>
+          <p:cNvSpPr>
+            <a:spLocks noGrp="1"/>
+          </p:cNvSpPr>
+          <p:nvPr>
+            <p:ph type="dt" sz="half" idx="10"/>
+          </p:nvPr>
+        </p:nvSpPr>
+        <p:spPr>
+          <a:xfrm>
+            <a:off x="0" y="6504403"/>
+            <a:ext cx="2743200" cy="365125"/>
+          </a:xfrm>
+        </p:spPr>
+        <p:txBody>
+          <a:bodyPr/>
+          <a:lstStyle/>
+          <a:p>
+            <a:r>
+              <a:rPr lang="it-IT" sz="1600" smtClean="0">
+                <a:solidFill>
+                  <a:schemeClr val="tx1"/>
+                </a:solidFill>
+                <a:latin typeface="Agency FB" panose="020B0503020202020204" pitchFamily="34" charset="0"/>
+              </a:rPr>
+              <a:t>Maria Luisa Feola A34000090 </a:t>
+            </a:r>
+            <a:endParaRPr lang="it-IT" sz="1600" dirty="0">
+              <a:solidFill>
+                <a:schemeClr val="tx1"/>
+              </a:solidFill>
+              <a:latin typeface="Agency FB" panose="020B0503020202020204" pitchFamily="34" charset="0"/>
+            </a:endParaRPr>
+          </a:p>
+        </p:txBody>
+      </p:sp>
+      <p:sp>
+        <p:nvSpPr>
+          <p:cNvPr id="2" name="Segnaposto numero diapositiva 1"/>
+          <p:cNvSpPr>
+            <a:spLocks noGrp="1"/>
+          </p:cNvSpPr>
+          <p:nvPr>
+            <p:ph type="sldNum" sz="quarter" idx="12"/>
+          </p:nvPr>
+        </p:nvSpPr>
+        <p:spPr>
+          <a:xfrm>
+            <a:off x="9448800" y="6504402"/>
+            <a:ext cx="2743200" cy="365125"/>
+          </a:xfrm>
+        </p:spPr>
+        <p:txBody>
+          <a:bodyPr/>
+          <a:lstStyle/>
+          <a:p>
+            <a:r>
+              <a:rPr lang="it-IT" sz="1800" dirty="0" smtClean="0">
+                <a:solidFill>
+                  <a:schemeClr val="tx1"/>
+                </a:solidFill>
+                <a:latin typeface="Agency FB" panose="020B0503020202020204" pitchFamily="34" charset="0"/>
+              </a:rPr>
+              <a:t>13</a:t>
+            </a:r>
+            <a:endParaRPr lang="it-IT" sz="1800" dirty="0">
+              <a:solidFill>
+                <a:schemeClr val="tx1"/>
+              </a:solidFill>
+              <a:latin typeface="Agency FB" panose="020B0503020202020204" pitchFamily="34" charset="0"/>
+            </a:endParaRPr>
+          </a:p>
+        </p:txBody>
+      </p:sp>
+      <p:sp>
+        <p:nvSpPr>
+          <p:cNvPr id="3" name="Segnaposto piè di pagina 2"/>
+          <p:cNvSpPr>
+            <a:spLocks noGrp="1"/>
+          </p:cNvSpPr>
+          <p:nvPr>
+            <p:ph type="ftr" sz="quarter" idx="11"/>
+          </p:nvPr>
+        </p:nvSpPr>
+        <p:spPr>
+          <a:xfrm>
+            <a:off x="4038600" y="6504402"/>
+            <a:ext cx="4114800" cy="365125"/>
+          </a:xfrm>
+        </p:spPr>
+        <p:txBody>
+          <a:bodyPr/>
+          <a:lstStyle/>
+          <a:p>
+            <a:r>
+              <a:rPr lang="it-IT" sz="1600" dirty="0" smtClean="0">
+                <a:solidFill>
+                  <a:schemeClr val="tx1"/>
+                </a:solidFill>
+                <a:latin typeface="Agency FB" panose="020B0503020202020204" pitchFamily="34" charset="0"/>
+              </a:rPr>
+              <a:t>Un'introduzione alle reti neurali e reti di </a:t>
+            </a:r>
+            <a:r>
+              <a:rPr lang="it-IT" sz="1600" dirty="0" err="1" smtClean="0">
+                <a:solidFill>
+                  <a:schemeClr val="tx1"/>
+                </a:solidFill>
+                <a:latin typeface="Agency FB" panose="020B0503020202020204" pitchFamily="34" charset="0"/>
+              </a:rPr>
+              <a:t>Hopfield</a:t>
+            </a:r>
+            <a:endParaRPr lang="it-IT" sz="1600" dirty="0">
+              <a:solidFill>
+                <a:schemeClr val="tx1"/>
+              </a:solidFill>
+              <a:latin typeface="Agency FB" panose="020B0503020202020204" pitchFamily="34" charset="0"/>
+            </a:endParaRPr>
+          </a:p>
+        </p:txBody>
+      </p:sp>
+    </p:spTree>
+    <p:extLst>
+      <p:ext uri="{BB962C8B-B14F-4D97-AF65-F5344CB8AC3E}">
+        <p14:creationId xmlns:p14="http://schemas.microsoft.com/office/powerpoint/2010/main" val="4094444760"/>
+      </p:ext>
+    </p:extLst>
+  </p:cSld>
+  <p:clrMapOvr>
+    <a:masterClrMapping/>
+  </p:clrMapOvr>
+  <p:timing>
+    <p:tnLst>
+      <p:par>
+        <p:cTn id="1" dur="indefinite" restart="never" nodeType="tmRoot"/>
+      </p:par>
+    </p:tnLst>
+  </p:timing>
+</p:sld>
+</file>
+
 <file path=ppt/slides/slide2.xml><?xml version="1.0" encoding="utf-8"?>
 <p:sld xmlns:a="http://schemas.openxmlformats.org/drawingml/2006/main" xmlns:r="http://schemas.openxmlformats.org/officeDocument/2006/relationships" xmlns:p="http://schemas.openxmlformats.org/presentationml/2006/main">
   <p:cSld>
@@ -48113,6 +48862,190 @@
       </p:grpSpPr>
       <p:sp>
         <p:nvSpPr>
+          <p:cNvPr id="5" name="Segnaposto data 4"/>
+          <p:cNvSpPr>
+            <a:spLocks noGrp="1"/>
+          </p:cNvSpPr>
+          <p:nvPr>
+            <p:ph type="dt" sz="half" idx="10"/>
+          </p:nvPr>
+        </p:nvSpPr>
+        <p:spPr>
+          <a:xfrm>
+            <a:off x="0" y="6504403"/>
+            <a:ext cx="2743200" cy="365125"/>
+          </a:xfrm>
+        </p:spPr>
+        <p:txBody>
+          <a:bodyPr/>
+          <a:lstStyle/>
+          <a:p>
+            <a:r>
+              <a:rPr lang="it-IT" sz="1600" smtClean="0">
+                <a:solidFill>
+                  <a:schemeClr val="tx1"/>
+                </a:solidFill>
+                <a:latin typeface="Agency FB" panose="020B0503020202020204" pitchFamily="34" charset="0"/>
+              </a:rPr>
+              <a:t>Maria Luisa Feola A34000090 </a:t>
+            </a:r>
+            <a:endParaRPr lang="it-IT" sz="1600" dirty="0">
+              <a:solidFill>
+                <a:schemeClr val="tx1"/>
+              </a:solidFill>
+              <a:latin typeface="Agency FB" panose="020B0503020202020204" pitchFamily="34" charset="0"/>
+            </a:endParaRPr>
+          </a:p>
+        </p:txBody>
+      </p:sp>
+      <p:sp>
+        <p:nvSpPr>
+          <p:cNvPr id="2" name="Segnaposto numero diapositiva 1"/>
+          <p:cNvSpPr>
+            <a:spLocks noGrp="1"/>
+          </p:cNvSpPr>
+          <p:nvPr>
+            <p:ph type="sldNum" sz="quarter" idx="12"/>
+          </p:nvPr>
+        </p:nvSpPr>
+        <p:spPr>
+          <a:xfrm>
+            <a:off x="9448800" y="6504402"/>
+            <a:ext cx="2743200" cy="365125"/>
+          </a:xfrm>
+        </p:spPr>
+        <p:txBody>
+          <a:bodyPr/>
+          <a:lstStyle/>
+          <a:p>
+            <a:r>
+              <a:rPr lang="it-IT" sz="1800" dirty="0" smtClean="0">
+                <a:solidFill>
+                  <a:schemeClr val="tx1"/>
+                </a:solidFill>
+                <a:latin typeface="Agency FB" panose="020B0503020202020204" pitchFamily="34" charset="0"/>
+              </a:rPr>
+              <a:t>8</a:t>
+            </a:r>
+          </a:p>
+        </p:txBody>
+      </p:sp>
+      <p:sp>
+        <p:nvSpPr>
+          <p:cNvPr id="3" name="Segnaposto piè di pagina 2"/>
+          <p:cNvSpPr>
+            <a:spLocks noGrp="1"/>
+          </p:cNvSpPr>
+          <p:nvPr>
+            <p:ph type="ftr" sz="quarter" idx="11"/>
+          </p:nvPr>
+        </p:nvSpPr>
+        <p:spPr>
+          <a:xfrm>
+            <a:off x="4038600" y="6504402"/>
+            <a:ext cx="4114800" cy="365125"/>
+          </a:xfrm>
+        </p:spPr>
+        <p:txBody>
+          <a:bodyPr/>
+          <a:lstStyle/>
+          <a:p>
+            <a:r>
+              <a:rPr lang="it-IT" sz="1600" dirty="0" smtClean="0">
+                <a:solidFill>
+                  <a:schemeClr val="tx1"/>
+                </a:solidFill>
+                <a:latin typeface="Agency FB" panose="020B0503020202020204" pitchFamily="34" charset="0"/>
+              </a:rPr>
+              <a:t>Un'introduzione alle reti neurali e reti di </a:t>
+            </a:r>
+            <a:r>
+              <a:rPr lang="it-IT" sz="1600" dirty="0" err="1" smtClean="0">
+                <a:solidFill>
+                  <a:schemeClr val="tx1"/>
+                </a:solidFill>
+                <a:latin typeface="Agency FB" panose="020B0503020202020204" pitchFamily="34" charset="0"/>
+              </a:rPr>
+              <a:t>Hopfield</a:t>
+            </a:r>
+            <a:endParaRPr lang="it-IT" sz="1600" dirty="0">
+              <a:solidFill>
+                <a:schemeClr val="tx1"/>
+              </a:solidFill>
+              <a:latin typeface="Agency FB" panose="020B0503020202020204" pitchFamily="34" charset="0"/>
+            </a:endParaRPr>
+          </a:p>
+        </p:txBody>
+      </p:sp>
+      <p:sp>
+        <p:nvSpPr>
+          <p:cNvPr id="4" name="CasellaDiTesto 3"/>
+          <p:cNvSpPr txBox="1"/>
+          <p:nvPr/>
+        </p:nvSpPr>
+        <p:spPr>
+          <a:xfrm>
+            <a:off x="4281055" y="2161309"/>
+            <a:ext cx="1366977" cy="369332"/>
+          </a:xfrm>
+          <a:prstGeom prst="rect">
+            <a:avLst/>
+          </a:prstGeom>
+          <a:noFill/>
+        </p:spPr>
+        <p:txBody>
+          <a:bodyPr wrap="none" rtlCol="0">
+            <a:spAutoFit/>
+          </a:bodyPr>
+          <a:lstStyle/>
+          <a:p>
+            <a:r>
+              <a:rPr lang="it-IT" dirty="0" smtClean="0"/>
+              <a:t>Architettura </a:t>
+            </a:r>
+            <a:endParaRPr lang="it-IT" dirty="0"/>
+          </a:p>
+        </p:txBody>
+      </p:sp>
+    </p:spTree>
+    <p:extLst>
+      <p:ext uri="{BB962C8B-B14F-4D97-AF65-F5344CB8AC3E}">
+        <p14:creationId xmlns:p14="http://schemas.microsoft.com/office/powerpoint/2010/main" val="3759403942"/>
+      </p:ext>
+    </p:extLst>
+  </p:cSld>
+  <p:clrMapOvr>
+    <a:masterClrMapping/>
+  </p:clrMapOvr>
+  <p:timing>
+    <p:tnLst>
+      <p:par>
+        <p:cTn id="1" dur="indefinite" restart="never" nodeType="tmRoot"/>
+      </p:par>
+    </p:tnLst>
+  </p:timing>
+</p:sld>
+</file>
+
+<file path=ppt/slides/slide9.xml><?xml version="1.0" encoding="utf-8"?>
+<p:sld xmlns:a="http://schemas.openxmlformats.org/drawingml/2006/main" xmlns:r="http://schemas.openxmlformats.org/officeDocument/2006/relationships" xmlns:p="http://schemas.openxmlformats.org/presentationml/2006/main">
+  <p:cSld>
+    <p:spTree>
+      <p:nvGrpSpPr>
+        <p:cNvPr id="1" name=""/>
+        <p:cNvGrpSpPr/>
+        <p:nvPr/>
+      </p:nvGrpSpPr>
+      <p:grpSpPr>
+        <a:xfrm>
+          <a:off x="0" y="0"/>
+          <a:ext cx="0" cy="0"/>
+          <a:chOff x="0" y="0"/>
+          <a:chExt cx="0" cy="0"/>
+        </a:xfrm>
+      </p:grpSpPr>
+      <p:sp>
+        <p:nvSpPr>
           <p:cNvPr id="16" name="Rettangolo 15"/>
           <p:cNvSpPr/>
           <p:nvPr/>
@@ -48281,8 +49214,14 @@
                 </a:solidFill>
                 <a:latin typeface="Agency FB" panose="020B0503020202020204" pitchFamily="34" charset="0"/>
               </a:rPr>
-              <a:t>9</a:t>
+              <a:t>8</a:t>
             </a:r>
+            <a:endParaRPr lang="it-IT" sz="1800" dirty="0">
+              <a:solidFill>
+                <a:schemeClr val="tx1"/>
+              </a:solidFill>
+              <a:latin typeface="Agency FB" panose="020B0503020202020204" pitchFamily="34" charset="0"/>
+            </a:endParaRPr>
           </a:p>
         </p:txBody>
       </p:sp>
@@ -48648,166 +49587,6 @@
     <p:extLst>
       <p:ext uri="{BB962C8B-B14F-4D97-AF65-F5344CB8AC3E}">
         <p14:creationId xmlns:p14="http://schemas.microsoft.com/office/powerpoint/2010/main" val="1952402887"/>
-      </p:ext>
-    </p:extLst>
-  </p:cSld>
-  <p:clrMapOvr>
-    <a:masterClrMapping/>
-  </p:clrMapOvr>
-  <p:timing>
-    <p:tnLst>
-      <p:par>
-        <p:cTn id="1" dur="indefinite" restart="never" nodeType="tmRoot"/>
-      </p:par>
-    </p:tnLst>
-  </p:timing>
-</p:sld>
-</file>
-
-<file path=ppt/slides/slide9.xml><?xml version="1.0" encoding="utf-8"?>
-<p:sld xmlns:a="http://schemas.openxmlformats.org/drawingml/2006/main" xmlns:r="http://schemas.openxmlformats.org/officeDocument/2006/relationships" xmlns:p="http://schemas.openxmlformats.org/presentationml/2006/main">
-  <p:cSld>
-    <p:spTree>
-      <p:nvGrpSpPr>
-        <p:cNvPr id="1" name=""/>
-        <p:cNvGrpSpPr/>
-        <p:nvPr/>
-      </p:nvGrpSpPr>
-      <p:grpSpPr>
-        <a:xfrm>
-          <a:off x="0" y="0"/>
-          <a:ext cx="0" cy="0"/>
-          <a:chOff x="0" y="0"/>
-          <a:chExt cx="0" cy="0"/>
-        </a:xfrm>
-      </p:grpSpPr>
-      <p:sp>
-        <p:nvSpPr>
-          <p:cNvPr id="5" name="Segnaposto data 4"/>
-          <p:cNvSpPr>
-            <a:spLocks noGrp="1"/>
-          </p:cNvSpPr>
-          <p:nvPr>
-            <p:ph type="dt" sz="half" idx="10"/>
-          </p:nvPr>
-        </p:nvSpPr>
-        <p:spPr>
-          <a:xfrm>
-            <a:off x="0" y="6504403"/>
-            <a:ext cx="2743200" cy="365125"/>
-          </a:xfrm>
-        </p:spPr>
-        <p:txBody>
-          <a:bodyPr/>
-          <a:lstStyle/>
-          <a:p>
-            <a:r>
-              <a:rPr lang="it-IT" sz="1600" smtClean="0">
-                <a:solidFill>
-                  <a:schemeClr val="tx1"/>
-                </a:solidFill>
-                <a:latin typeface="Agency FB" panose="020B0503020202020204" pitchFamily="34" charset="0"/>
-              </a:rPr>
-              <a:t>Maria Luisa Feola A34000090 </a:t>
-            </a:r>
-            <a:endParaRPr lang="it-IT" sz="1600" dirty="0">
-              <a:solidFill>
-                <a:schemeClr val="tx1"/>
-              </a:solidFill>
-              <a:latin typeface="Agency FB" panose="020B0503020202020204" pitchFamily="34" charset="0"/>
-            </a:endParaRPr>
-          </a:p>
-        </p:txBody>
-      </p:sp>
-      <p:sp>
-        <p:nvSpPr>
-          <p:cNvPr id="2" name="Segnaposto numero diapositiva 1"/>
-          <p:cNvSpPr>
-            <a:spLocks noGrp="1"/>
-          </p:cNvSpPr>
-          <p:nvPr>
-            <p:ph type="sldNum" sz="quarter" idx="12"/>
-          </p:nvPr>
-        </p:nvSpPr>
-        <p:spPr>
-          <a:xfrm>
-            <a:off x="9448800" y="6504402"/>
-            <a:ext cx="2743200" cy="365125"/>
-          </a:xfrm>
-        </p:spPr>
-        <p:txBody>
-          <a:bodyPr/>
-          <a:lstStyle/>
-          <a:p>
-            <a:r>
-              <a:rPr lang="it-IT" sz="1800" dirty="0" smtClean="0">
-                <a:solidFill>
-                  <a:schemeClr val="tx1"/>
-                </a:solidFill>
-                <a:latin typeface="Agency FB" panose="020B0503020202020204" pitchFamily="34" charset="0"/>
-              </a:rPr>
-              <a:t>10</a:t>
-            </a:r>
-            <a:endParaRPr lang="it-IT" sz="1800" dirty="0">
-              <a:solidFill>
-                <a:schemeClr val="tx1"/>
-              </a:solidFill>
-              <a:latin typeface="Agency FB" panose="020B0503020202020204" pitchFamily="34" charset="0"/>
-            </a:endParaRPr>
-          </a:p>
-        </p:txBody>
-      </p:sp>
-      <p:sp>
-        <p:nvSpPr>
-          <p:cNvPr id="3" name="Segnaposto piè di pagina 2"/>
-          <p:cNvSpPr>
-            <a:spLocks noGrp="1"/>
-          </p:cNvSpPr>
-          <p:nvPr>
-            <p:ph type="ftr" sz="quarter" idx="11"/>
-          </p:nvPr>
-        </p:nvSpPr>
-        <p:spPr>
-          <a:xfrm>
-            <a:off x="4038600" y="6504402"/>
-            <a:ext cx="4114800" cy="365125"/>
-          </a:xfrm>
-        </p:spPr>
-        <p:txBody>
-          <a:bodyPr/>
-          <a:lstStyle/>
-          <a:p>
-            <a:r>
-              <a:rPr lang="it-IT" sz="1600" dirty="0" smtClean="0">
-                <a:solidFill>
-                  <a:schemeClr val="tx1"/>
-                </a:solidFill>
-                <a:latin typeface="Agency FB" panose="020B0503020202020204" pitchFamily="34" charset="0"/>
-              </a:rPr>
-              <a:t>Un'introduzione alle reti neurali e reti di </a:t>
-            </a:r>
-            <a:r>
-              <a:rPr lang="it-IT" sz="1600" dirty="0" err="1" smtClean="0">
-                <a:solidFill>
-                  <a:schemeClr val="tx1"/>
-                </a:solidFill>
-                <a:latin typeface="Agency FB" panose="020B0503020202020204" pitchFamily="34" charset="0"/>
-              </a:rPr>
-              <a:t>Hopfield</a:t>
-            </a:r>
-            <a:endParaRPr lang="it-IT" sz="1600" dirty="0">
-              <a:solidFill>
-                <a:schemeClr val="tx1"/>
-              </a:solidFill>
-              <a:latin typeface="Agency FB" panose="020B0503020202020204" pitchFamily="34" charset="0"/>
-            </a:endParaRPr>
-          </a:p>
-        </p:txBody>
-      </p:sp>
-    </p:spTree>
-    <p:extLst>
-      <p:ext uri="{BB962C8B-B14F-4D97-AF65-F5344CB8AC3E}">
-        <p14:creationId xmlns:p14="http://schemas.microsoft.com/office/powerpoint/2010/main" val="3759403942"/>
       </p:ext>
     </p:extLst>
   </p:cSld>
